--- a/Slides/CEPC强子量能器GEM方案读出电子学预研进展_2018高能物理年会.pptx
+++ b/Slides/CEPC强子量能器GEM方案读出电子学预研进展_2018高能物理年会.pptx
@@ -2738,7 +2738,7 @@
           <a:graphicData uri="http://schemas.openxmlformats.org/presentationml/2006/ole">
             <mc:AlternateContent xmlns:mc="http://schemas.openxmlformats.org/markup-compatibility/2006">
               <mc:Choice xmlns:v="urn:schemas-microsoft-com:vml" Requires="v">
-                <p:oleObj spid="_x0000_s4145" name="think-cell Slide" r:id="rId4" imgW="384" imgH="384" progId="TCLayout.ActiveDocument.1">
+                <p:oleObj spid="_x0000_s4146" name="think-cell Slide" r:id="rId4" imgW="384" imgH="384" progId="TCLayout.ActiveDocument.1">
                   <p:embed/>
                 </p:oleObj>
               </mc:Choice>
@@ -4314,7 +4314,7 @@
           <a:graphicData uri="http://schemas.openxmlformats.org/presentationml/2006/ole">
             <mc:AlternateContent xmlns:mc="http://schemas.openxmlformats.org/markup-compatibility/2006">
               <mc:Choice xmlns:v="urn:schemas-microsoft-com:vml" Requires="v">
-                <p:oleObj spid="_x0000_s2142" name="think-cell Slide" r:id="rId4" imgW="384" imgH="384" progId="TCLayout.ActiveDocument.1">
+                <p:oleObj spid="_x0000_s2143" name="think-cell Slide" r:id="rId4" imgW="384" imgH="384" progId="TCLayout.ActiveDocument.1">
                   <p:embed/>
                 </p:oleObj>
               </mc:Choice>
@@ -7261,7 +7261,7 @@
           <a:graphicData uri="http://schemas.openxmlformats.org/presentationml/2006/ole">
             <mc:AlternateContent xmlns:mc="http://schemas.openxmlformats.org/markup-compatibility/2006">
               <mc:Choice xmlns:v="urn:schemas-microsoft-com:vml" Requires="v">
-                <p:oleObj spid="_x0000_s1122" name="think-cell Slide" r:id="rId17" imgW="384" imgH="384" progId="TCLayout.ActiveDocument.1">
+                <p:oleObj spid="_x0000_s1123" name="think-cell Slide" r:id="rId17" imgW="384" imgH="384" progId="TCLayout.ActiveDocument.1">
                   <p:embed/>
                 </p:oleObj>
               </mc:Choice>
@@ -8856,7 +8856,7 @@
           <a:graphicData uri="http://schemas.openxmlformats.org/presentationml/2006/ole">
             <mc:AlternateContent xmlns:mc="http://schemas.openxmlformats.org/markup-compatibility/2006">
               <mc:Choice xmlns:v="urn:schemas-microsoft-com:vml" Requires="v">
-                <p:oleObj spid="_x0000_s5170" name="think-cell Slide" r:id="rId5" imgW="384" imgH="384" progId="TCLayout.ActiveDocument.1">
+                <p:oleObj spid="_x0000_s5171" name="think-cell Slide" r:id="rId5" imgW="384" imgH="384" progId="TCLayout.ActiveDocument.1">
                   <p:embed/>
                 </p:oleObj>
               </mc:Choice>
@@ -10159,8 +10159,8 @@
         </p:blipFill>
         <p:spPr>
           <a:xfrm>
-            <a:off x="247263" y="2208179"/>
-            <a:ext cx="3794193" cy="3794193"/>
+            <a:off x="294163" y="1424468"/>
+            <a:ext cx="5145336" cy="5145336"/>
           </a:xfrm>
         </p:spPr>
       </p:pic>
@@ -10181,19 +10181,39 @@
           <a:p>
             <a:r>
               <a:rPr lang="en-US" altLang="zh-CN" dirty="0" smtClean="0"/>
-              <a:t>FEB</a:t>
-            </a:r>
-            <a:r>
-              <a:rPr lang="zh-CN" altLang="en-US" dirty="0" smtClean="0"/>
-              <a:t>板</a:t>
-            </a:r>
+              <a:t>PCB</a:t>
+            </a:r>
+            <a:endParaRPr lang="zh-CN" altLang="en-US" dirty="0"/>
+          </a:p>
+        </p:txBody>
+      </p:sp>
+      <p:sp>
+        <p:nvSpPr>
+          <p:cNvPr id="2" name="灯片编号占位符 1"/>
+          <p:cNvSpPr>
+            <a:spLocks noGrp="1"/>
+          </p:cNvSpPr>
+          <p:nvPr>
+            <p:ph type="sldNum" sz="quarter" idx="12"/>
+          </p:nvPr>
+        </p:nvSpPr>
+        <p:spPr/>
+        <p:txBody>
+          <a:bodyPr/>
+          <a:lstStyle/>
+          <a:p>
+            <a:fld id="{43839631-49CD-487E-A955-9C3740CF100C}" type="slidenum">
+              <a:rPr lang="zh-CN" altLang="en-US" smtClean="0"/>
+              <a:pPr/>
+              <a:t>13</a:t>
+            </a:fld>
             <a:endParaRPr lang="zh-CN" altLang="en-US" dirty="0"/>
           </a:p>
         </p:txBody>
       </p:sp>
       <p:pic>
         <p:nvPicPr>
-          <p:cNvPr id="6" name="图片 5"/>
+          <p:cNvPr id="4" name="图片 3"/>
           <p:cNvPicPr>
             <a:picLocks noChangeAspect="1"/>
           </p:cNvPicPr>
@@ -10212,39 +10232,15 @@
           </a:stretch>
         </p:blipFill>
         <p:spPr>
-          <a:xfrm>
-            <a:off x="4562272" y="2115968"/>
-            <a:ext cx="3978613" cy="3978613"/>
+          <a:xfrm rot="5400000">
+            <a:off x="5501109" y="2731035"/>
+            <a:ext cx="3385223" cy="2532201"/>
           </a:xfrm>
           <a:prstGeom prst="rect">
             <a:avLst/>
           </a:prstGeom>
         </p:spPr>
       </p:pic>
-      <p:sp>
-        <p:nvSpPr>
-          <p:cNvPr id="2" name="灯片编号占位符 1"/>
-          <p:cNvSpPr>
-            <a:spLocks noGrp="1"/>
-          </p:cNvSpPr>
-          <p:nvPr>
-            <p:ph type="sldNum" sz="quarter" idx="12"/>
-          </p:nvPr>
-        </p:nvSpPr>
-        <p:spPr/>
-        <p:txBody>
-          <a:bodyPr/>
-          <a:lstStyle/>
-          <a:p>
-            <a:fld id="{43839631-49CD-487E-A955-9C3740CF100C}" type="slidenum">
-              <a:rPr lang="zh-CN" altLang="en-US" smtClean="0"/>
-              <a:pPr/>
-              <a:t>13</a:t>
-            </a:fld>
-            <a:endParaRPr lang="zh-CN" altLang="en-US" dirty="0"/>
-          </a:p>
-        </p:txBody>
-      </p:sp>
     </p:spTree>
     <p:extLst>
       <p:ext uri="{BB962C8B-B14F-4D97-AF65-F5344CB8AC3E}">
@@ -27139,11 +27135,7 @@
           <a:p>
             <a:r>
               <a:rPr lang="zh-CN" altLang="en-US" dirty="0" smtClean="0"/>
-              <a:t>最小</a:t>
-            </a:r>
-            <a:r>
-              <a:rPr lang="zh-CN" altLang="en-US" dirty="0" smtClean="0"/>
-              <a:t>分辨电荷量</a:t>
+              <a:t>最小分辨电荷量</a:t>
             </a:r>
             <a:endParaRPr lang="zh-CN" altLang="en-US" dirty="0"/>
           </a:p>
